--- a/random/split-apply-combine-diagram.pptx
+++ b/random/split-apply-combine-diagram.pptx
@@ -104,6 +104,11 @@
       </a:defRPr>
     </a:lvl9pPr>
   </p:defaultTextStyle>
+  <p:extLst>
+    <p:ext uri="{EFAFB233-063F-42B5-8137-9DF3F51BA10A}">
+      <p15:sldGuideLst xmlns:p15="http://schemas.microsoft.com/office/powerpoint/2012/main"/>
+    </p:ext>
+  </p:extLst>
 </p:presentation>
 </file>
 
@@ -254,7 +259,7 @@
           <a:p>
             <a:fld id="{77F47222-723A-6342-BBE5-07C1DA30206B}" type="datetimeFigureOut">
               <a:rPr lang="en-US" smtClean="0"/>
-              <a:t>3/9/19</a:t>
+              <a:t>3/10/19</a:t>
             </a:fld>
             <a:endParaRPr lang="en-US"/>
           </a:p>
@@ -452,7 +457,7 @@
           <a:p>
             <a:fld id="{77F47222-723A-6342-BBE5-07C1DA30206B}" type="datetimeFigureOut">
               <a:rPr lang="en-US" smtClean="0"/>
-              <a:t>3/9/19</a:t>
+              <a:t>3/10/19</a:t>
             </a:fld>
             <a:endParaRPr lang="en-US"/>
           </a:p>
@@ -660,7 +665,7 @@
           <a:p>
             <a:fld id="{77F47222-723A-6342-BBE5-07C1DA30206B}" type="datetimeFigureOut">
               <a:rPr lang="en-US" smtClean="0"/>
-              <a:t>3/9/19</a:t>
+              <a:t>3/10/19</a:t>
             </a:fld>
             <a:endParaRPr lang="en-US"/>
           </a:p>
@@ -858,7 +863,7 @@
           <a:p>
             <a:fld id="{77F47222-723A-6342-BBE5-07C1DA30206B}" type="datetimeFigureOut">
               <a:rPr lang="en-US" smtClean="0"/>
-              <a:t>3/9/19</a:t>
+              <a:t>3/10/19</a:t>
             </a:fld>
             <a:endParaRPr lang="en-US"/>
           </a:p>
@@ -1133,7 +1138,7 @@
           <a:p>
             <a:fld id="{77F47222-723A-6342-BBE5-07C1DA30206B}" type="datetimeFigureOut">
               <a:rPr lang="en-US" smtClean="0"/>
-              <a:t>3/9/19</a:t>
+              <a:t>3/10/19</a:t>
             </a:fld>
             <a:endParaRPr lang="en-US"/>
           </a:p>
@@ -1398,7 +1403,7 @@
           <a:p>
             <a:fld id="{77F47222-723A-6342-BBE5-07C1DA30206B}" type="datetimeFigureOut">
               <a:rPr lang="en-US" smtClean="0"/>
-              <a:t>3/9/19</a:t>
+              <a:t>3/10/19</a:t>
             </a:fld>
             <a:endParaRPr lang="en-US"/>
           </a:p>
@@ -1810,7 +1815,7 @@
           <a:p>
             <a:fld id="{77F47222-723A-6342-BBE5-07C1DA30206B}" type="datetimeFigureOut">
               <a:rPr lang="en-US" smtClean="0"/>
-              <a:t>3/9/19</a:t>
+              <a:t>3/10/19</a:t>
             </a:fld>
             <a:endParaRPr lang="en-US"/>
           </a:p>
@@ -1951,7 +1956,7 @@
           <a:p>
             <a:fld id="{77F47222-723A-6342-BBE5-07C1DA30206B}" type="datetimeFigureOut">
               <a:rPr lang="en-US" smtClean="0"/>
-              <a:t>3/9/19</a:t>
+              <a:t>3/10/19</a:t>
             </a:fld>
             <a:endParaRPr lang="en-US"/>
           </a:p>
@@ -2064,7 +2069,7 @@
           <a:p>
             <a:fld id="{77F47222-723A-6342-BBE5-07C1DA30206B}" type="datetimeFigureOut">
               <a:rPr lang="en-US" smtClean="0"/>
-              <a:t>3/9/19</a:t>
+              <a:t>3/10/19</a:t>
             </a:fld>
             <a:endParaRPr lang="en-US"/>
           </a:p>
@@ -2375,7 +2380,7 @@
           <a:p>
             <a:fld id="{77F47222-723A-6342-BBE5-07C1DA30206B}" type="datetimeFigureOut">
               <a:rPr lang="en-US" smtClean="0"/>
-              <a:t>3/9/19</a:t>
+              <a:t>3/10/19</a:t>
             </a:fld>
             <a:endParaRPr lang="en-US"/>
           </a:p>
@@ -2663,7 +2668,7 @@
           <a:p>
             <a:fld id="{77F47222-723A-6342-BBE5-07C1DA30206B}" type="datetimeFigureOut">
               <a:rPr lang="en-US" smtClean="0"/>
-              <a:t>3/9/19</a:t>
+              <a:t>3/10/19</a:t>
             </a:fld>
             <a:endParaRPr lang="en-US"/>
           </a:p>
@@ -2904,7 +2909,7 @@
           <a:p>
             <a:fld id="{77F47222-723A-6342-BBE5-07C1DA30206B}" type="datetimeFigureOut">
               <a:rPr lang="en-US" smtClean="0"/>
-              <a:t>3/9/19</a:t>
+              <a:t>3/10/19</a:t>
             </a:fld>
             <a:endParaRPr lang="en-US"/>
           </a:p>
@@ -6138,14 +6143,14 @@
             <p:cNvCxnSpPr>
               <a:cxnSpLocks/>
               <a:stCxn id="6" idx="2"/>
-              <a:endCxn id="22" idx="0"/>
+              <a:endCxn id="24" idx="0"/>
             </p:cNvCxnSpPr>
             <p:nvPr/>
           </p:nvCxnSpPr>
           <p:spPr>
-            <a:xfrm>
-              <a:off x="4293070" y="2017386"/>
-              <a:ext cx="0" cy="310985"/>
+            <a:xfrm flipH="1">
+              <a:off x="3978669" y="2017386"/>
+              <a:ext cx="314401" cy="310985"/>
             </a:xfrm>
             <a:prstGeom prst="straightConnector1">
               <a:avLst/>
@@ -6234,14 +6239,14 @@
             <p:cNvCxnSpPr>
               <a:cxnSpLocks/>
               <a:stCxn id="8" idx="2"/>
-              <a:endCxn id="24" idx="0"/>
+              <a:endCxn id="22" idx="0"/>
             </p:cNvCxnSpPr>
             <p:nvPr/>
           </p:nvCxnSpPr>
           <p:spPr>
             <a:xfrm flipH="1">
-              <a:off x="3978669" y="2017386"/>
-              <a:ext cx="943203" cy="310985"/>
+              <a:off x="4293070" y="2017386"/>
+              <a:ext cx="628802" cy="310985"/>
             </a:xfrm>
             <a:prstGeom prst="straightConnector1">
               <a:avLst/>
